--- a/Proyecto Final (1).pptx
+++ b/Proyecto Final (1).pptx
@@ -16,9 +16,9 @@
     <p:sldId id="360" r:id="rId7"/>
     <p:sldId id="362" r:id="rId8"/>
     <p:sldId id="313" r:id="rId9"/>
-    <p:sldId id="321" r:id="rId10"/>
-    <p:sldId id="364" r:id="rId11"/>
-    <p:sldId id="365" r:id="rId12"/>
+    <p:sldId id="365" r:id="rId10"/>
+    <p:sldId id="321" r:id="rId11"/>
+    <p:sldId id="364" r:id="rId12"/>
     <p:sldId id="366" r:id="rId13"/>
     <p:sldId id="367" r:id="rId14"/>
     <p:sldId id="368" r:id="rId15"/>
@@ -259,7 +259,7 @@
           <a:p>
             <a:fld id="{367A1AC4-3AE8-4F87-AAED-904EC6054702}" type="datetimeFigureOut">
               <a:rPr lang="en-US" smtClean="0"/>
-              <a:t>10/17/2025</a:t>
+              <a:t>10/20/2025</a:t>
             </a:fld>
             <a:endParaRPr lang="en-US" dirty="0"/>
           </a:p>
@@ -337,7 +337,7 @@
           <a:p>
             <a:fld id="{7AF8A362-CAFC-4987-9A50-47570528395E}" type="slidenum">
               <a:rPr lang="en-US" smtClean="0"/>
-              <a:t>‹#›</a:t>
+              <a:t>‹Nº›</a:t>
             </a:fld>
             <a:endParaRPr lang="en-US" dirty="0"/>
           </a:p>
@@ -436,7 +436,7 @@
           <a:p>
             <a:fld id="{C5556653-6123-4FE4-861F-5F9583BF59B0}" type="datetimeFigureOut">
               <a:rPr lang="en-US" smtClean="0"/>
-              <a:t>10/17/2025</a:t>
+              <a:t>10/20/2025</a:t>
             </a:fld>
             <a:endParaRPr lang="en-US" dirty="0"/>
           </a:p>
@@ -594,7 +594,7 @@
           <a:p>
             <a:fld id="{54EEB602-95FC-483A-B12D-216A7AD7EA24}" type="slidenum">
               <a:rPr lang="en-US" smtClean="0"/>
-              <a:t>‹#›</a:t>
+              <a:t>‹Nº›</a:t>
             </a:fld>
             <a:endParaRPr lang="en-US" dirty="0"/>
           </a:p>
@@ -4173,6 +4173,121 @@
         <p:cNvPr id="1" name="">
           <a:extLst>
             <a:ext uri="{FF2B5EF4-FFF2-40B4-BE49-F238E27FC236}">
+              <a16:creationId xmlns:a16="http://schemas.microsoft.com/office/drawing/2014/main" id="{61C776B9-1CF9-2428-6E31-3B430F6F784F}"/>
+            </a:ext>
+          </a:extLst>
+        </p:cNvPr>
+        <p:cNvGrpSpPr/>
+        <p:nvPr/>
+      </p:nvGrpSpPr>
+      <p:grpSpPr>
+        <a:xfrm>
+          <a:off x="0" y="0"/>
+          <a:ext cx="0" cy="0"/>
+          <a:chOff x="0" y="0"/>
+          <a:chExt cx="0" cy="0"/>
+        </a:xfrm>
+      </p:grpSpPr>
+      <p:sp>
+        <p:nvSpPr>
+          <p:cNvPr id="2" name="Slide Image Placeholder 1">
+            <a:extLst>
+              <a:ext uri="{FF2B5EF4-FFF2-40B4-BE49-F238E27FC236}">
+                <a16:creationId xmlns:a16="http://schemas.microsoft.com/office/drawing/2014/main" id="{F5D16BD2-1134-688F-75B6-EAE57D94F32A}"/>
+              </a:ext>
+            </a:extLst>
+          </p:cNvPr>
+          <p:cNvSpPr>
+            <a:spLocks noGrp="1" noRot="1" noChangeAspect="1"/>
+          </p:cNvSpPr>
+          <p:nvPr>
+            <p:ph type="sldImg"/>
+          </p:nvPr>
+        </p:nvSpPr>
+        <p:spPr/>
+        <p:txBody>
+          <a:bodyPr/>
+          <a:lstStyle/>
+          <a:p>
+            <a:endParaRPr lang="es-MX"/>
+          </a:p>
+        </p:txBody>
+      </p:sp>
+      <p:sp>
+        <p:nvSpPr>
+          <p:cNvPr id="3" name="Notes Placeholder 2">
+            <a:extLst>
+              <a:ext uri="{FF2B5EF4-FFF2-40B4-BE49-F238E27FC236}">
+                <a16:creationId xmlns:a16="http://schemas.microsoft.com/office/drawing/2014/main" id="{155B22A2-B14C-598A-C627-7786530C3F56}"/>
+              </a:ext>
+            </a:extLst>
+          </p:cNvPr>
+          <p:cNvSpPr>
+            <a:spLocks noGrp="1"/>
+          </p:cNvSpPr>
+          <p:nvPr>
+            <p:ph type="body" idx="1"/>
+          </p:nvPr>
+        </p:nvSpPr>
+        <p:spPr/>
+        <p:txBody>
+          <a:bodyPr/>
+          <a:lstStyle/>
+          <a:p>
+            <a:endParaRPr lang="en-US" dirty="0"/>
+          </a:p>
+        </p:txBody>
+      </p:sp>
+      <p:sp>
+        <p:nvSpPr>
+          <p:cNvPr id="4" name="Slide Number Placeholder 3">
+            <a:extLst>
+              <a:ext uri="{FF2B5EF4-FFF2-40B4-BE49-F238E27FC236}">
+                <a16:creationId xmlns:a16="http://schemas.microsoft.com/office/drawing/2014/main" id="{FDE56892-0C3D-209F-5EBA-7EB0F54997F4}"/>
+              </a:ext>
+            </a:extLst>
+          </p:cNvPr>
+          <p:cNvSpPr>
+            <a:spLocks noGrp="1"/>
+          </p:cNvSpPr>
+          <p:nvPr>
+            <p:ph type="sldNum" sz="quarter" idx="5"/>
+          </p:nvPr>
+        </p:nvSpPr>
+        <p:spPr/>
+        <p:txBody>
+          <a:bodyPr/>
+          <a:lstStyle/>
+          <a:p>
+            <a:fld id="{54EEB602-95FC-483A-B12D-216A7AD7EA24}" type="slidenum">
+              <a:rPr lang="en-US" smtClean="0"/>
+              <a:t>6</a:t>
+            </a:fld>
+            <a:endParaRPr lang="en-US" dirty="0"/>
+          </a:p>
+        </p:txBody>
+      </p:sp>
+    </p:spTree>
+    <p:extLst>
+      <p:ext uri="{BB962C8B-B14F-4D97-AF65-F5344CB8AC3E}">
+        <p14:creationId xmlns:p14="http://schemas.microsoft.com/office/powerpoint/2010/main" val="947816387"/>
+      </p:ext>
+    </p:extLst>
+  </p:cSld>
+  <p:clrMapOvr>
+    <a:masterClrMapping/>
+  </p:clrMapOvr>
+</p:notes>
+</file>
+
+<file path=ppt/notesSlides/notesSlide6.xml><?xml version="1.0" encoding="utf-8"?>
+<p:notes xmlns:a="http://schemas.openxmlformats.org/drawingml/2006/main" xmlns:r="http://schemas.openxmlformats.org/officeDocument/2006/relationships" xmlns:p="http://schemas.openxmlformats.org/presentationml/2006/main">
+  <p:cSld>
+    <p:spTree>
+      <p:nvGrpSpPr>
+        <p:cNvPr id="1" name="">
+          <a:extLst>
+            <a:ext uri="{FF2B5EF4-FFF2-40B4-BE49-F238E27FC236}">
               <a16:creationId xmlns:a16="http://schemas.microsoft.com/office/drawing/2014/main" id="{A425E9F5-2AB5-998B-A6E3-87869A091190}"/>
             </a:ext>
           </a:extLst>
@@ -4261,7 +4376,7 @@
           <a:p>
             <a:fld id="{54EEB602-95FC-483A-B12D-216A7AD7EA24}" type="slidenum">
               <a:rPr lang="en-US" smtClean="0"/>
-              <a:t>6</a:t>
+              <a:t>7</a:t>
             </a:fld>
             <a:endParaRPr lang="en-US" dirty="0"/>
           </a:p>
@@ -4280,7 +4395,7 @@
 </p:notes>
 </file>
 
-<file path=ppt/notesSlides/notesSlide6.xml><?xml version="1.0" encoding="utf-8"?>
+<file path=ppt/notesSlides/notesSlide7.xml><?xml version="1.0" encoding="utf-8"?>
 <p:notes xmlns:a="http://schemas.openxmlformats.org/drawingml/2006/main" xmlns:r="http://schemas.openxmlformats.org/officeDocument/2006/relationships" xmlns:p="http://schemas.openxmlformats.org/presentationml/2006/main">
   <p:cSld>
     <p:spTree>
@@ -4376,7 +4491,7 @@
           <a:p>
             <a:fld id="{54EEB602-95FC-483A-B12D-216A7AD7EA24}" type="slidenum">
               <a:rPr lang="en-US" smtClean="0"/>
-              <a:t>7</a:t>
+              <a:t>8</a:t>
             </a:fld>
             <a:endParaRPr lang="en-US" dirty="0"/>
           </a:p>
@@ -4386,121 +4501,6 @@
     <p:extLst>
       <p:ext uri="{BB962C8B-B14F-4D97-AF65-F5344CB8AC3E}">
         <p14:creationId xmlns:p14="http://schemas.microsoft.com/office/powerpoint/2010/main" val="3800481016"/>
-      </p:ext>
-    </p:extLst>
-  </p:cSld>
-  <p:clrMapOvr>
-    <a:masterClrMapping/>
-  </p:clrMapOvr>
-</p:notes>
-</file>
-
-<file path=ppt/notesSlides/notesSlide7.xml><?xml version="1.0" encoding="utf-8"?>
-<p:notes xmlns:a="http://schemas.openxmlformats.org/drawingml/2006/main" xmlns:r="http://schemas.openxmlformats.org/officeDocument/2006/relationships" xmlns:p="http://schemas.openxmlformats.org/presentationml/2006/main">
-  <p:cSld>
-    <p:spTree>
-      <p:nvGrpSpPr>
-        <p:cNvPr id="1" name="">
-          <a:extLst>
-            <a:ext uri="{FF2B5EF4-FFF2-40B4-BE49-F238E27FC236}">
-              <a16:creationId xmlns:a16="http://schemas.microsoft.com/office/drawing/2014/main" id="{61C776B9-1CF9-2428-6E31-3B430F6F784F}"/>
-            </a:ext>
-          </a:extLst>
-        </p:cNvPr>
-        <p:cNvGrpSpPr/>
-        <p:nvPr/>
-      </p:nvGrpSpPr>
-      <p:grpSpPr>
-        <a:xfrm>
-          <a:off x="0" y="0"/>
-          <a:ext cx="0" cy="0"/>
-          <a:chOff x="0" y="0"/>
-          <a:chExt cx="0" cy="0"/>
-        </a:xfrm>
-      </p:grpSpPr>
-      <p:sp>
-        <p:nvSpPr>
-          <p:cNvPr id="2" name="Slide Image Placeholder 1">
-            <a:extLst>
-              <a:ext uri="{FF2B5EF4-FFF2-40B4-BE49-F238E27FC236}">
-                <a16:creationId xmlns:a16="http://schemas.microsoft.com/office/drawing/2014/main" id="{F5D16BD2-1134-688F-75B6-EAE57D94F32A}"/>
-              </a:ext>
-            </a:extLst>
-          </p:cNvPr>
-          <p:cNvSpPr>
-            <a:spLocks noGrp="1" noRot="1" noChangeAspect="1"/>
-          </p:cNvSpPr>
-          <p:nvPr>
-            <p:ph type="sldImg"/>
-          </p:nvPr>
-        </p:nvSpPr>
-        <p:spPr/>
-        <p:txBody>
-          <a:bodyPr/>
-          <a:lstStyle/>
-          <a:p>
-            <a:endParaRPr lang="es-MX"/>
-          </a:p>
-        </p:txBody>
-      </p:sp>
-      <p:sp>
-        <p:nvSpPr>
-          <p:cNvPr id="3" name="Notes Placeholder 2">
-            <a:extLst>
-              <a:ext uri="{FF2B5EF4-FFF2-40B4-BE49-F238E27FC236}">
-                <a16:creationId xmlns:a16="http://schemas.microsoft.com/office/drawing/2014/main" id="{155B22A2-B14C-598A-C627-7786530C3F56}"/>
-              </a:ext>
-            </a:extLst>
-          </p:cNvPr>
-          <p:cNvSpPr>
-            <a:spLocks noGrp="1"/>
-          </p:cNvSpPr>
-          <p:nvPr>
-            <p:ph type="body" idx="1"/>
-          </p:nvPr>
-        </p:nvSpPr>
-        <p:spPr/>
-        <p:txBody>
-          <a:bodyPr/>
-          <a:lstStyle/>
-          <a:p>
-            <a:endParaRPr lang="en-US" dirty="0"/>
-          </a:p>
-        </p:txBody>
-      </p:sp>
-      <p:sp>
-        <p:nvSpPr>
-          <p:cNvPr id="4" name="Slide Number Placeholder 3">
-            <a:extLst>
-              <a:ext uri="{FF2B5EF4-FFF2-40B4-BE49-F238E27FC236}">
-                <a16:creationId xmlns:a16="http://schemas.microsoft.com/office/drawing/2014/main" id="{FDE56892-0C3D-209F-5EBA-7EB0F54997F4}"/>
-              </a:ext>
-            </a:extLst>
-          </p:cNvPr>
-          <p:cNvSpPr>
-            <a:spLocks noGrp="1"/>
-          </p:cNvSpPr>
-          <p:nvPr>
-            <p:ph type="sldNum" sz="quarter" idx="5"/>
-          </p:nvPr>
-        </p:nvSpPr>
-        <p:spPr/>
-        <p:txBody>
-          <a:bodyPr/>
-          <a:lstStyle/>
-          <a:p>
-            <a:fld id="{54EEB602-95FC-483A-B12D-216A7AD7EA24}" type="slidenum">
-              <a:rPr lang="en-US" smtClean="0"/>
-              <a:t>8</a:t>
-            </a:fld>
-            <a:endParaRPr lang="en-US" dirty="0"/>
-          </a:p>
-        </p:txBody>
-      </p:sp>
-    </p:spTree>
-    <p:extLst>
-      <p:ext uri="{BB962C8B-B14F-4D97-AF65-F5344CB8AC3E}">
-        <p14:creationId xmlns:p14="http://schemas.microsoft.com/office/powerpoint/2010/main" val="762993678"/>
       </p:ext>
     </p:extLst>
   </p:cSld>
@@ -13580,7 +13580,7 @@
             <a:fld id="{FAEF9944-A4F6-4C59-AEBD-678D6480B8EA}" type="slidenum">
               <a:rPr lang="en-US" smtClean="0"/>
               <a:pPr/>
-              <a:t>‹#›</a:t>
+              <a:t>‹Nº›</a:t>
             </a:fld>
             <a:endParaRPr lang="en-US" dirty="0"/>
           </a:p>
@@ -13798,7 +13798,7 @@
             <a:fld id="{FAEF9944-A4F6-4C59-AEBD-678D6480B8EA}" type="slidenum">
               <a:rPr lang="en-US" smtClean="0"/>
               <a:pPr/>
-              <a:t>‹#›</a:t>
+              <a:t>‹Nº›</a:t>
             </a:fld>
             <a:endParaRPr lang="en-US" dirty="0"/>
           </a:p>
@@ -13984,7 +13984,7 @@
             <a:fld id="{FAEF9944-A4F6-4C59-AEBD-678D6480B8EA}" type="slidenum">
               <a:rPr lang="en-US" smtClean="0"/>
               <a:pPr/>
-              <a:t>‹#›</a:t>
+              <a:t>‹Nº›</a:t>
             </a:fld>
             <a:endParaRPr lang="en-US" dirty="0"/>
           </a:p>
@@ -15167,7 +15167,7 @@
             <a:fld id="{FAEF9944-A4F6-4C59-AEBD-678D6480B8EA}" type="slidenum">
               <a:rPr lang="en-US" smtClean="0"/>
               <a:pPr/>
-              <a:t>‹#›</a:t>
+              <a:t>‹Nº›</a:t>
             </a:fld>
             <a:endParaRPr lang="en-US" dirty="0"/>
           </a:p>
@@ -15982,7 +15982,7 @@
             <a:fld id="{FAEF9944-A4F6-4C59-AEBD-678D6480B8EA}" type="slidenum">
               <a:rPr lang="en-US" smtClean="0"/>
               <a:pPr/>
-              <a:t>‹#›</a:t>
+              <a:t>‹Nº›</a:t>
             </a:fld>
             <a:endParaRPr lang="en-US" dirty="0"/>
           </a:p>
@@ -16194,7 +16194,7 @@
             <a:fld id="{FAEF9944-A4F6-4C59-AEBD-678D6480B8EA}" type="slidenum">
               <a:rPr lang="en-US" smtClean="0"/>
               <a:pPr/>
-              <a:t>‹#›</a:t>
+              <a:t>‹Nº›</a:t>
             </a:fld>
             <a:endParaRPr lang="en-US" dirty="0"/>
           </a:p>
@@ -25098,7 +25098,7 @@
             <a:fld id="{FAEF9944-A4F6-4C59-AEBD-678D6480B8EA}" type="slidenum">
               <a:rPr lang="en-US" smtClean="0"/>
               <a:pPr/>
-              <a:t>‹#›</a:t>
+              <a:t>‹Nº›</a:t>
             </a:fld>
             <a:endParaRPr lang="en-US" dirty="0"/>
           </a:p>
@@ -25378,7 +25378,7 @@
             <a:fld id="{FAEF9944-A4F6-4C59-AEBD-678D6480B8EA}" type="slidenum">
               <a:rPr lang="en-US" smtClean="0"/>
               <a:pPr/>
-              <a:t>‹#›</a:t>
+              <a:t>‹Nº›</a:t>
             </a:fld>
             <a:endParaRPr lang="en-US" dirty="0"/>
           </a:p>
@@ -25782,7 +25782,7 @@
             <a:fld id="{FAEF9944-A4F6-4C59-AEBD-678D6480B8EA}" type="slidenum">
               <a:rPr lang="en-US" smtClean="0"/>
               <a:pPr/>
-              <a:t>‹#›</a:t>
+              <a:t>‹Nº›</a:t>
             </a:fld>
             <a:endParaRPr lang="en-US" dirty="0"/>
           </a:p>
@@ -25859,7 +25859,7 @@
           <a:p>
             <a:fld id="{005CD215-1C45-48A0-8534-39FFE8A7C95A}" type="datetime1">
               <a:rPr lang="en-US" smtClean="0"/>
-              <a:t>10/17/2025</a:t>
+              <a:t>10/20/2025</a:t>
             </a:fld>
             <a:endParaRPr lang="en-US" dirty="0"/>
           </a:p>
@@ -25901,7 +25901,7 @@
           <a:p>
             <a:fld id="{FAEF9944-A4F6-4C59-AEBD-678D6480B8EA}" type="slidenum">
               <a:rPr lang="en-US" smtClean="0"/>
-              <a:t>‹#›</a:t>
+              <a:t>‹Nº›</a:t>
             </a:fld>
             <a:endParaRPr lang="en-US" dirty="0"/>
           </a:p>
@@ -26443,7 +26443,7 @@
             <a:fld id="{FAEF9944-A4F6-4C59-AEBD-678D6480B8EA}" type="slidenum">
               <a:rPr lang="en-US" smtClean="0"/>
               <a:pPr/>
-              <a:t>‹#›</a:t>
+              <a:t>‹Nº›</a:t>
             </a:fld>
             <a:endParaRPr lang="en-US" dirty="0"/>
           </a:p>
@@ -26744,7 +26744,7 @@
             <a:fld id="{FAEF9944-A4F6-4C59-AEBD-678D6480B8EA}" type="slidenum">
               <a:rPr lang="en-US" smtClean="0"/>
               <a:pPr/>
-              <a:t>‹#›</a:t>
+              <a:t>‹Nº›</a:t>
             </a:fld>
             <a:endParaRPr lang="en-US" dirty="0"/>
           </a:p>
@@ -27035,7 +27035,7 @@
             <a:fld id="{FAEF9944-A4F6-4C59-AEBD-678D6480B8EA}" type="slidenum">
               <a:rPr lang="en-US" smtClean="0"/>
               <a:pPr/>
-              <a:t>‹#›</a:t>
+              <a:t>‹Nº›</a:t>
             </a:fld>
             <a:endParaRPr lang="en-US" dirty="0"/>
           </a:p>
@@ -27331,7 +27331,7 @@
             <a:fld id="{FAEF9944-A4F6-4C59-AEBD-678D6480B8EA}" type="slidenum">
               <a:rPr lang="en-US" smtClean="0"/>
               <a:pPr/>
-              <a:t>‹#›</a:t>
+              <a:t>‹Nº›</a:t>
             </a:fld>
             <a:endParaRPr lang="en-US" dirty="0"/>
           </a:p>
@@ -43453,6 +43453,687 @@
         <p:cNvPr id="1" name="">
           <a:extLst>
             <a:ext uri="{FF2B5EF4-FFF2-40B4-BE49-F238E27FC236}">
+              <a16:creationId xmlns:a16="http://schemas.microsoft.com/office/drawing/2014/main" id="{2570C898-40C1-72D3-45D0-423DAF7BCB31}"/>
+            </a:ext>
+          </a:extLst>
+        </p:cNvPr>
+        <p:cNvGrpSpPr/>
+        <p:nvPr/>
+      </p:nvGrpSpPr>
+      <p:grpSpPr>
+        <a:xfrm>
+          <a:off x="0" y="0"/>
+          <a:ext cx="0" cy="0"/>
+          <a:chOff x="0" y="0"/>
+          <a:chExt cx="0" cy="0"/>
+        </a:xfrm>
+      </p:grpSpPr>
+      <p:sp>
+        <p:nvSpPr>
+          <p:cNvPr id="2" name="Title 1">
+            <a:extLst>
+              <a:ext uri="{FF2B5EF4-FFF2-40B4-BE49-F238E27FC236}">
+                <a16:creationId xmlns:a16="http://schemas.microsoft.com/office/drawing/2014/main" id="{CB6BC422-176F-3F28-62DC-543558519606}"/>
+              </a:ext>
+            </a:extLst>
+          </p:cNvPr>
+          <p:cNvSpPr>
+            <a:spLocks noGrp="1"/>
+          </p:cNvSpPr>
+          <p:nvPr>
+            <p:ph type="title"/>
+          </p:nvPr>
+        </p:nvSpPr>
+        <p:spPr/>
+        <p:txBody>
+          <a:bodyPr/>
+          <a:lstStyle/>
+          <a:p>
+            <a:r>
+              <a:rPr lang="en-US" sz="4000" b="0" noProof="0" dirty="0"/>
+              <a:t>Vendors</a:t>
+            </a:r>
+          </a:p>
+        </p:txBody>
+      </p:sp>
+      <p:graphicFrame>
+        <p:nvGraphicFramePr>
+          <p:cNvPr id="7" name="Table 6">
+            <a:extLst>
+              <a:ext uri="{FF2B5EF4-FFF2-40B4-BE49-F238E27FC236}">
+                <a16:creationId xmlns:a16="http://schemas.microsoft.com/office/drawing/2014/main" id="{D8AD02F4-5D6B-0D08-00BF-49287C0D09AB}"/>
+              </a:ext>
+            </a:extLst>
+          </p:cNvPr>
+          <p:cNvGraphicFramePr>
+            <a:graphicFrameLocks noGrp="1"/>
+          </p:cNvGraphicFramePr>
+          <p:nvPr/>
+        </p:nvGraphicFramePr>
+        <p:xfrm>
+          <a:off x="1444752" y="2457026"/>
+          <a:ext cx="10195561" cy="1746941"/>
+        </p:xfrm>
+        <a:graphic>
+          <a:graphicData uri="http://schemas.openxmlformats.org/drawingml/2006/table">
+            <a:tbl>
+              <a:tblPr firstRow="1" bandRow="1">
+                <a:tableStyleId>{8A107856-5554-42FB-B03E-39F5DBC370BA}</a:tableStyleId>
+              </a:tblPr>
+              <a:tblGrid>
+                <a:gridCol w="1325880">
+                  <a:extLst>
+                    <a:ext uri="{9D8B030D-6E8A-4147-A177-3AD203B41FA5}">
+                      <a16:colId xmlns:a16="http://schemas.microsoft.com/office/drawing/2014/main" val="2245506330"/>
+                    </a:ext>
+                  </a:extLst>
+                </a:gridCol>
+                <a:gridCol w="2569464">
+                  <a:extLst>
+                    <a:ext uri="{9D8B030D-6E8A-4147-A177-3AD203B41FA5}">
+                      <a16:colId xmlns:a16="http://schemas.microsoft.com/office/drawing/2014/main" val="1063389680"/>
+                    </a:ext>
+                  </a:extLst>
+                </a:gridCol>
+                <a:gridCol w="1444752">
+                  <a:extLst>
+                    <a:ext uri="{9D8B030D-6E8A-4147-A177-3AD203B41FA5}">
+                      <a16:colId xmlns:a16="http://schemas.microsoft.com/office/drawing/2014/main" val="2334273950"/>
+                    </a:ext>
+                  </a:extLst>
+                </a:gridCol>
+                <a:gridCol w="1042416">
+                  <a:extLst>
+                    <a:ext uri="{9D8B030D-6E8A-4147-A177-3AD203B41FA5}">
+                      <a16:colId xmlns:a16="http://schemas.microsoft.com/office/drawing/2014/main" val="3087133834"/>
+                    </a:ext>
+                  </a:extLst>
+                </a:gridCol>
+                <a:gridCol w="960120">
+                  <a:extLst>
+                    <a:ext uri="{9D8B030D-6E8A-4147-A177-3AD203B41FA5}">
+                      <a16:colId xmlns:a16="http://schemas.microsoft.com/office/drawing/2014/main" val="1277425726"/>
+                    </a:ext>
+                  </a:extLst>
+                </a:gridCol>
+                <a:gridCol w="2852929">
+                  <a:extLst>
+                    <a:ext uri="{9D8B030D-6E8A-4147-A177-3AD203B41FA5}">
+                      <a16:colId xmlns:a16="http://schemas.microsoft.com/office/drawing/2014/main" val="1686388612"/>
+                    </a:ext>
+                  </a:extLst>
+                </a:gridCol>
+              </a:tblGrid>
+              <a:tr h="375341">
+                <a:tc>
+                  <a:txBody>
+                    <a:bodyPr/>
+                    <a:lstStyle/>
+                    <a:p>
+                      <a:r>
+                        <a:rPr lang="en-US" noProof="0" dirty="0"/>
+                        <a:t>Field</a:t>
+                      </a:r>
+                    </a:p>
+                  </a:txBody>
+                  <a:tcPr/>
+                </a:tc>
+                <a:tc>
+                  <a:txBody>
+                    <a:bodyPr/>
+                    <a:lstStyle/>
+                    <a:p>
+                      <a:r>
+                        <a:rPr lang="en-US" noProof="0" dirty="0"/>
+                        <a:t>Data type</a:t>
+                      </a:r>
+                    </a:p>
+                  </a:txBody>
+                  <a:tcPr/>
+                </a:tc>
+                <a:tc>
+                  <a:txBody>
+                    <a:bodyPr/>
+                    <a:lstStyle/>
+                    <a:p>
+                      <a:r>
+                        <a:rPr lang="en-US" noProof="0" dirty="0"/>
+                        <a:t>Length </a:t>
+                      </a:r>
+                    </a:p>
+                  </a:txBody>
+                  <a:tcPr/>
+                </a:tc>
+                <a:tc>
+                  <a:txBody>
+                    <a:bodyPr/>
+                    <a:lstStyle/>
+                    <a:p>
+                      <a:r>
+                        <a:rPr lang="en-US" noProof="0" dirty="0"/>
+                        <a:t>Required</a:t>
+                      </a:r>
+                    </a:p>
+                  </a:txBody>
+                  <a:tcPr/>
+                </a:tc>
+                <a:tc>
+                  <a:txBody>
+                    <a:bodyPr/>
+                    <a:lstStyle/>
+                    <a:p>
+                      <a:r>
+                        <a:rPr lang="en-US" noProof="0" dirty="0"/>
+                        <a:t>Unique</a:t>
+                      </a:r>
+                    </a:p>
+                  </a:txBody>
+                  <a:tcPr/>
+                </a:tc>
+                <a:tc>
+                  <a:txBody>
+                    <a:bodyPr/>
+                    <a:lstStyle/>
+                    <a:p>
+                      <a:r>
+                        <a:rPr lang="en-US" b="1" noProof="0" dirty="0"/>
+                        <a:t>Example</a:t>
+                      </a:r>
+                    </a:p>
+                  </a:txBody>
+                  <a:tcPr/>
+                </a:tc>
+                <a:extLst>
+                  <a:ext uri="{0D108BD9-81ED-4DB2-BD59-A6C34878D82A}">
+                    <a16:rowId xmlns:a16="http://schemas.microsoft.com/office/drawing/2014/main" val="3609378606"/>
+                  </a:ext>
+                </a:extLst>
+              </a:tr>
+              <a:tr h="357642">
+                <a:tc>
+                  <a:txBody>
+                    <a:bodyPr/>
+                    <a:lstStyle/>
+                    <a:p>
+                      <a:pPr marL="0" marR="0" lvl="0" indent="0" algn="l" defTabSz="914400" rtl="0" eaLnBrk="1" fontAlgn="auto" latinLnBrk="0" hangingPunct="1">
+                        <a:lnSpc>
+                          <a:spcPct val="100000"/>
+                        </a:lnSpc>
+                        <a:spcBef>
+                          <a:spcPts val="0"/>
+                        </a:spcBef>
+                        <a:spcAft>
+                          <a:spcPts val="0"/>
+                        </a:spcAft>
+                        <a:buClrTx/>
+                        <a:buSzTx/>
+                        <a:buFontTx/>
+                        <a:buNone/>
+                        <a:tabLst/>
+                        <a:defRPr/>
+                      </a:pPr>
+                      <a:r>
+                        <a:rPr lang="en-US" b="0" noProof="0" dirty="0" err="1">
+                          <a:highlight>
+                            <a:srgbClr val="FFFF00"/>
+                          </a:highlight>
+                        </a:rPr>
+                        <a:t>Vendor_ID</a:t>
+                      </a:r>
+                      <a:endParaRPr lang="en-US" b="0" noProof="0" dirty="0">
+                        <a:highlight>
+                          <a:srgbClr val="FFFF00"/>
+                        </a:highlight>
+                      </a:endParaRPr>
+                    </a:p>
+                  </a:txBody>
+                  <a:tcPr/>
+                </a:tc>
+                <a:tc>
+                  <a:txBody>
+                    <a:bodyPr/>
+                    <a:lstStyle/>
+                    <a:p>
+                      <a:r>
+                        <a:rPr lang="en-US" noProof="0" dirty="0"/>
+                        <a:t>Alphanumeric (VARCHAR)</a:t>
+                      </a:r>
+                    </a:p>
+                  </a:txBody>
+                  <a:tcPr/>
+                </a:tc>
+                <a:tc>
+                  <a:txBody>
+                    <a:bodyPr/>
+                    <a:lstStyle/>
+                    <a:p>
+                      <a:r>
+                        <a:rPr lang="en-US" noProof="0" dirty="0"/>
+                        <a:t>10 characters</a:t>
+                      </a:r>
+                    </a:p>
+                  </a:txBody>
+                  <a:tcPr/>
+                </a:tc>
+                <a:tc>
+                  <a:txBody>
+                    <a:bodyPr/>
+                    <a:lstStyle/>
+                    <a:p>
+                      <a:r>
+                        <a:rPr lang="en-US" noProof="0" dirty="0"/>
+                        <a:t>Yes</a:t>
+                      </a:r>
+                    </a:p>
+                  </a:txBody>
+                  <a:tcPr/>
+                </a:tc>
+                <a:tc>
+                  <a:txBody>
+                    <a:bodyPr/>
+                    <a:lstStyle/>
+                    <a:p>
+                      <a:endParaRPr lang="en-US" noProof="0" dirty="0"/>
+                    </a:p>
+                  </a:txBody>
+                  <a:tcPr/>
+                </a:tc>
+                <a:tc>
+                  <a:txBody>
+                    <a:bodyPr/>
+                    <a:lstStyle/>
+                    <a:p>
+                      <a:r>
+                        <a:rPr lang="en-US" noProof="0" dirty="0"/>
+                        <a:t>VEN238</a:t>
+                      </a:r>
+                    </a:p>
+                  </a:txBody>
+                  <a:tcPr/>
+                </a:tc>
+                <a:extLst>
+                  <a:ext uri="{0D108BD9-81ED-4DB2-BD59-A6C34878D82A}">
+                    <a16:rowId xmlns:a16="http://schemas.microsoft.com/office/drawing/2014/main" val="371253128"/>
+                  </a:ext>
+                </a:extLst>
+              </a:tr>
+              <a:tr h="374073">
+                <a:tc>
+                  <a:txBody>
+                    <a:bodyPr/>
+                    <a:lstStyle/>
+                    <a:p>
+                      <a:pPr marL="0" marR="0" lvl="0" indent="0" algn="l" defTabSz="914400" rtl="0" eaLnBrk="1" fontAlgn="auto" latinLnBrk="0" hangingPunct="1">
+                        <a:lnSpc>
+                          <a:spcPct val="100000"/>
+                        </a:lnSpc>
+                        <a:spcBef>
+                          <a:spcPts val="0"/>
+                        </a:spcBef>
+                        <a:spcAft>
+                          <a:spcPts val="0"/>
+                        </a:spcAft>
+                        <a:buClrTx/>
+                        <a:buSzTx/>
+                        <a:buFontTx/>
+                        <a:buNone/>
+                        <a:tabLst/>
+                        <a:defRPr/>
+                      </a:pPr>
+                      <a:r>
+                        <a:rPr lang="en-US" b="0" noProof="0" dirty="0"/>
+                        <a:t>Name</a:t>
+                      </a:r>
+                    </a:p>
+                  </a:txBody>
+                  <a:tcPr/>
+                </a:tc>
+                <a:tc>
+                  <a:txBody>
+                    <a:bodyPr/>
+                    <a:lstStyle/>
+                    <a:p>
+                      <a:pPr marL="0" marR="0" lvl="0" indent="0" algn="l" defTabSz="914400" rtl="0" eaLnBrk="1" fontAlgn="auto" latinLnBrk="0" hangingPunct="1">
+                        <a:lnSpc>
+                          <a:spcPct val="100000"/>
+                        </a:lnSpc>
+                        <a:spcBef>
+                          <a:spcPts val="0"/>
+                        </a:spcBef>
+                        <a:spcAft>
+                          <a:spcPts val="0"/>
+                        </a:spcAft>
+                        <a:buClrTx/>
+                        <a:buSzTx/>
+                        <a:buFontTx/>
+                        <a:buNone/>
+                        <a:tabLst/>
+                        <a:defRPr/>
+                      </a:pPr>
+                      <a:r>
+                        <a:rPr lang="en-US" noProof="0" dirty="0"/>
+                        <a:t>Alphanumeric (VARCHAR)</a:t>
+                      </a:r>
+                    </a:p>
+                  </a:txBody>
+                  <a:tcPr/>
+                </a:tc>
+                <a:tc>
+                  <a:txBody>
+                    <a:bodyPr/>
+                    <a:lstStyle/>
+                    <a:p>
+                      <a:pPr marL="0" marR="0" lvl="0" indent="0" algn="l" defTabSz="914400" rtl="0" eaLnBrk="1" fontAlgn="auto" latinLnBrk="0" hangingPunct="1">
+                        <a:lnSpc>
+                          <a:spcPct val="100000"/>
+                        </a:lnSpc>
+                        <a:spcBef>
+                          <a:spcPts val="0"/>
+                        </a:spcBef>
+                        <a:spcAft>
+                          <a:spcPts val="0"/>
+                        </a:spcAft>
+                        <a:buClrTx/>
+                        <a:buSzTx/>
+                        <a:buFontTx/>
+                        <a:buNone/>
+                        <a:tabLst/>
+                        <a:defRPr/>
+                      </a:pPr>
+                      <a:r>
+                        <a:rPr lang="en-US" noProof="0" dirty="0"/>
+                        <a:t>70 characters</a:t>
+                      </a:r>
+                    </a:p>
+                  </a:txBody>
+                  <a:tcPr/>
+                </a:tc>
+                <a:tc>
+                  <a:txBody>
+                    <a:bodyPr/>
+                    <a:lstStyle/>
+                    <a:p>
+                      <a:pPr marL="0" marR="0" lvl="0" indent="0" algn="l" defTabSz="914400" rtl="0" eaLnBrk="1" fontAlgn="auto" latinLnBrk="0" hangingPunct="1">
+                        <a:lnSpc>
+                          <a:spcPct val="100000"/>
+                        </a:lnSpc>
+                        <a:spcBef>
+                          <a:spcPts val="0"/>
+                        </a:spcBef>
+                        <a:spcAft>
+                          <a:spcPts val="0"/>
+                        </a:spcAft>
+                        <a:buClrTx/>
+                        <a:buSzTx/>
+                        <a:buFontTx/>
+                        <a:buNone/>
+                        <a:tabLst/>
+                        <a:defRPr/>
+                      </a:pPr>
+                      <a:r>
+                        <a:rPr lang="en-US" noProof="0" dirty="0"/>
+                        <a:t>Yes</a:t>
+                      </a:r>
+                    </a:p>
+                  </a:txBody>
+                  <a:tcPr/>
+                </a:tc>
+                <a:tc>
+                  <a:txBody>
+                    <a:bodyPr/>
+                    <a:lstStyle/>
+                    <a:p>
+                      <a:r>
+                        <a:rPr lang="en-US" noProof="0" dirty="0"/>
+                        <a:t>Yes</a:t>
+                      </a:r>
+                    </a:p>
+                  </a:txBody>
+                  <a:tcPr/>
+                </a:tc>
+                <a:tc>
+                  <a:txBody>
+                    <a:bodyPr/>
+                    <a:lstStyle/>
+                    <a:p>
+                      <a:r>
+                        <a:rPr lang="en-US" noProof="0" dirty="0"/>
+                        <a:t>Union Polymer Material CO., LTD</a:t>
+                      </a:r>
+                    </a:p>
+                  </a:txBody>
+                  <a:tcPr/>
+                </a:tc>
+                <a:extLst>
+                  <a:ext uri="{0D108BD9-81ED-4DB2-BD59-A6C34878D82A}">
+                    <a16:rowId xmlns:a16="http://schemas.microsoft.com/office/drawing/2014/main" val="3873730951"/>
+                  </a:ext>
+                </a:extLst>
+              </a:tr>
+              <a:tr h="353291">
+                <a:tc>
+                  <a:txBody>
+                    <a:bodyPr/>
+                    <a:lstStyle/>
+                    <a:p>
+                      <a:pPr marL="0" marR="0" lvl="0" indent="0" algn="l" defTabSz="914400" rtl="0" eaLnBrk="1" fontAlgn="auto" latinLnBrk="0" hangingPunct="1">
+                        <a:lnSpc>
+                          <a:spcPct val="100000"/>
+                        </a:lnSpc>
+                        <a:spcBef>
+                          <a:spcPts val="0"/>
+                        </a:spcBef>
+                        <a:spcAft>
+                          <a:spcPts val="0"/>
+                        </a:spcAft>
+                        <a:buClrTx/>
+                        <a:buSzTx/>
+                        <a:buFontTx/>
+                        <a:buNone/>
+                        <a:tabLst/>
+                        <a:defRPr/>
+                      </a:pPr>
+                      <a:r>
+                        <a:rPr lang="en-US" b="0" noProof="0" dirty="0" err="1"/>
+                        <a:t>Short_name</a:t>
+                      </a:r>
+                      <a:endParaRPr lang="en-US" b="0" noProof="0" dirty="0"/>
+                    </a:p>
+                  </a:txBody>
+                  <a:tcPr/>
+                </a:tc>
+                <a:tc>
+                  <a:txBody>
+                    <a:bodyPr/>
+                    <a:lstStyle/>
+                    <a:p>
+                      <a:pPr marL="0" marR="0" lvl="0" indent="0" algn="l" defTabSz="914400" rtl="0" eaLnBrk="1" fontAlgn="auto" latinLnBrk="0" hangingPunct="1">
+                        <a:lnSpc>
+                          <a:spcPct val="100000"/>
+                        </a:lnSpc>
+                        <a:spcBef>
+                          <a:spcPts val="0"/>
+                        </a:spcBef>
+                        <a:spcAft>
+                          <a:spcPts val="0"/>
+                        </a:spcAft>
+                        <a:buClrTx/>
+                        <a:buSzTx/>
+                        <a:buFontTx/>
+                        <a:buNone/>
+                        <a:tabLst/>
+                        <a:defRPr/>
+                      </a:pPr>
+                      <a:r>
+                        <a:rPr lang="en-US" noProof="0" dirty="0"/>
+                        <a:t>Alphanumeric (VARCHAR)</a:t>
+                      </a:r>
+                    </a:p>
+                  </a:txBody>
+                  <a:tcPr/>
+                </a:tc>
+                <a:tc>
+                  <a:txBody>
+                    <a:bodyPr/>
+                    <a:lstStyle/>
+                    <a:p>
+                      <a:pPr marL="0" marR="0" lvl="0" indent="0" algn="l" defTabSz="914400" rtl="0" eaLnBrk="1" fontAlgn="auto" latinLnBrk="0" hangingPunct="1">
+                        <a:lnSpc>
+                          <a:spcPct val="100000"/>
+                        </a:lnSpc>
+                        <a:spcBef>
+                          <a:spcPts val="0"/>
+                        </a:spcBef>
+                        <a:spcAft>
+                          <a:spcPts val="0"/>
+                        </a:spcAft>
+                        <a:buClrTx/>
+                        <a:buSzTx/>
+                        <a:buFontTx/>
+                        <a:buNone/>
+                        <a:tabLst/>
+                        <a:defRPr/>
+                      </a:pPr>
+                      <a:r>
+                        <a:rPr lang="en-US" noProof="0" dirty="0"/>
+                        <a:t>5 characters</a:t>
+                      </a:r>
+                    </a:p>
+                  </a:txBody>
+                  <a:tcPr/>
+                </a:tc>
+                <a:tc>
+                  <a:txBody>
+                    <a:bodyPr/>
+                    <a:lstStyle/>
+                    <a:p>
+                      <a:pPr marL="0" marR="0" lvl="0" indent="0" algn="l" defTabSz="914400" rtl="0" eaLnBrk="1" fontAlgn="auto" latinLnBrk="0" hangingPunct="1">
+                        <a:lnSpc>
+                          <a:spcPct val="100000"/>
+                        </a:lnSpc>
+                        <a:spcBef>
+                          <a:spcPts val="0"/>
+                        </a:spcBef>
+                        <a:spcAft>
+                          <a:spcPts val="0"/>
+                        </a:spcAft>
+                        <a:buClrTx/>
+                        <a:buSzTx/>
+                        <a:buFontTx/>
+                        <a:buNone/>
+                        <a:tabLst/>
+                        <a:defRPr/>
+                      </a:pPr>
+                      <a:r>
+                        <a:rPr lang="en-US" noProof="0" dirty="0"/>
+                        <a:t>Yes</a:t>
+                      </a:r>
+                    </a:p>
+                  </a:txBody>
+                  <a:tcPr/>
+                </a:tc>
+                <a:tc>
+                  <a:txBody>
+                    <a:bodyPr/>
+                    <a:lstStyle/>
+                    <a:p>
+                      <a:r>
+                        <a:rPr lang="en-US" noProof="0" dirty="0"/>
+                        <a:t>Yes</a:t>
+                      </a:r>
+                    </a:p>
+                  </a:txBody>
+                  <a:tcPr/>
+                </a:tc>
+                <a:tc>
+                  <a:txBody>
+                    <a:bodyPr/>
+                    <a:lstStyle/>
+                    <a:p>
+                      <a:r>
+                        <a:rPr lang="en-US" noProof="0" dirty="0"/>
+                        <a:t>UPM</a:t>
+                      </a:r>
+                    </a:p>
+                  </a:txBody>
+                  <a:tcPr/>
+                </a:tc>
+                <a:extLst>
+                  <a:ext uri="{0D108BD9-81ED-4DB2-BD59-A6C34878D82A}">
+                    <a16:rowId xmlns:a16="http://schemas.microsoft.com/office/drawing/2014/main" val="3903227421"/>
+                  </a:ext>
+                </a:extLst>
+              </a:tr>
+            </a:tbl>
+          </a:graphicData>
+        </a:graphic>
+      </p:graphicFrame>
+      <p:sp>
+        <p:nvSpPr>
+          <p:cNvPr id="10" name="TextBox 9">
+            <a:extLst>
+              <a:ext uri="{FF2B5EF4-FFF2-40B4-BE49-F238E27FC236}">
+                <a16:creationId xmlns:a16="http://schemas.microsoft.com/office/drawing/2014/main" id="{B6698183-77A6-C660-BEAB-D4A57C404356}"/>
+              </a:ext>
+            </a:extLst>
+          </p:cNvPr>
+          <p:cNvSpPr txBox="1"/>
+          <p:nvPr/>
+        </p:nvSpPr>
+        <p:spPr>
+          <a:xfrm>
+            <a:off x="3350970" y="6402586"/>
+            <a:ext cx="6382512" cy="369332"/>
+          </a:xfrm>
+          <a:prstGeom prst="rect">
+            <a:avLst/>
+          </a:prstGeom>
+          <a:noFill/>
+        </p:spPr>
+        <p:txBody>
+          <a:bodyPr wrap="square" rtlCol="0">
+            <a:spAutoFit/>
+          </a:bodyPr>
+          <a:lstStyle/>
+          <a:p>
+            <a:pPr algn="ctr"/>
+            <a:r>
+              <a:rPr lang="en-US" noProof="0" dirty="0">
+                <a:highlight>
+                  <a:srgbClr val="FFFF00"/>
+                </a:highlight>
+              </a:rPr>
+              <a:t>Primary Key</a:t>
+            </a:r>
+            <a:endParaRPr lang="en-US" noProof="0" dirty="0">
+              <a:highlight>
+                <a:srgbClr val="00FF00"/>
+              </a:highlight>
+            </a:endParaRPr>
+          </a:p>
+        </p:txBody>
+      </p:sp>
+    </p:spTree>
+    <p:extLst>
+      <p:ext uri="{BB962C8B-B14F-4D97-AF65-F5344CB8AC3E}">
+        <p14:creationId xmlns:p14="http://schemas.microsoft.com/office/powerpoint/2010/main" val="3410426008"/>
+      </p:ext>
+    </p:extLst>
+  </p:cSld>
+  <p:clrMapOvr>
+    <a:masterClrMapping/>
+  </p:clrMapOvr>
+</p:sld>
+</file>
+
+<file path=ppt/slides/slide7.xml><?xml version="1.0" encoding="utf-8"?>
+<p:sld xmlns:a="http://schemas.openxmlformats.org/drawingml/2006/main" xmlns:r="http://schemas.openxmlformats.org/officeDocument/2006/relationships" xmlns:p="http://schemas.openxmlformats.org/presentationml/2006/main">
+  <p:cSld>
+    <p:spTree>
+      <p:nvGrpSpPr>
+        <p:cNvPr id="1" name="">
+          <a:extLst>
+            <a:ext uri="{FF2B5EF4-FFF2-40B4-BE49-F238E27FC236}">
               <a16:creationId xmlns:a16="http://schemas.microsoft.com/office/drawing/2014/main" id="{17E155FE-1AC6-AA6A-B011-64F32D70ABD7}"/>
             </a:ext>
           </a:extLst>
@@ -43511,14 +44192,14 @@
           <p:nvPr>
             <p:extLst>
               <p:ext uri="{D42A27DB-BD31-4B8C-83A1-F6EECF244321}">
-                <p14:modId xmlns:p14="http://schemas.microsoft.com/office/powerpoint/2010/main" val="3927120382"/>
+                <p14:modId xmlns:p14="http://schemas.microsoft.com/office/powerpoint/2010/main" val="3300709209"/>
               </p:ext>
             </p:extLst>
           </p:nvPr>
         </p:nvGraphicFramePr>
         <p:xfrm>
           <a:off x="1216152" y="2466170"/>
-          <a:ext cx="10716768" cy="3584054"/>
+          <a:ext cx="10716768" cy="3850061"/>
         </p:xfrm>
         <a:graphic>
           <a:graphicData uri="http://schemas.openxmlformats.org/drawingml/2006/table">
@@ -43941,8 +44622,39 @@
                         <a:defRPr/>
                       </a:pPr>
                       <a:r>
-                        <a:rPr lang="en-US" b="0" noProof="0" dirty="0"/>
+                        <a:rPr lang="en-US" b="0" noProof="0" dirty="0">
+                          <a:highlight>
+                            <a:srgbClr val="00FF00"/>
+                          </a:highlight>
+                        </a:rPr>
                         <a:t>Supplier</a:t>
+                      </a:r>
+                    </a:p>
+                    <a:p>
+                      <a:pPr marL="0" marR="0" lvl="0" indent="0" algn="l" defTabSz="914400" rtl="0" eaLnBrk="1" fontAlgn="auto" latinLnBrk="0" hangingPunct="1">
+                        <a:lnSpc>
+                          <a:spcPct val="100000"/>
+                        </a:lnSpc>
+                        <a:spcBef>
+                          <a:spcPts val="0"/>
+                        </a:spcBef>
+                        <a:spcAft>
+                          <a:spcPts val="0"/>
+                        </a:spcAft>
+                        <a:buClrTx/>
+                        <a:buSzTx/>
+                        <a:buFontTx/>
+                        <a:buNone/>
+                        <a:tabLst/>
+                        <a:defRPr/>
+                      </a:pPr>
+                      <a:r>
+                        <a:rPr lang="en-US" b="0" noProof="0" dirty="0">
+                          <a:highlight>
+                            <a:srgbClr val="00FF00"/>
+                          </a:highlight>
+                        </a:rPr>
+                        <a:t>(vendors)</a:t>
                       </a:r>
                     </a:p>
                   </a:txBody>
@@ -44002,7 +44714,7 @@
                       </a:pPr>
                       <a:r>
                         <a:rPr lang="en-US" noProof="0" dirty="0"/>
-                        <a:t>15 characters</a:t>
+                        <a:t>10 characters</a:t>
                       </a:r>
                     </a:p>
                   </a:txBody>
@@ -44051,9 +44763,10 @@
                     <a:lstStyle/>
                     <a:p>
                       <a:r>
-                        <a:rPr lang="en-US" noProof="0" dirty="0"/>
-                        <a:t>Toagosei (TGA)</a:t>
+                        <a:rPr lang="en-US" noProof="0"/>
+                        <a:t>VEN238</a:t>
                       </a:r>
+                      <a:endParaRPr lang="en-US" noProof="0" dirty="0"/>
                     </a:p>
                   </a:txBody>
                   <a:tcPr/>
@@ -44809,10 +45522,10 @@
       </p:graphicFrame>
       <p:sp>
         <p:nvSpPr>
-          <p:cNvPr id="10" name="TextBox 9">
+          <p:cNvPr id="3" name="TextBox 4">
             <a:extLst>
               <a:ext uri="{FF2B5EF4-FFF2-40B4-BE49-F238E27FC236}">
-                <a16:creationId xmlns:a16="http://schemas.microsoft.com/office/drawing/2014/main" id="{D104B7D9-C950-BA4F-F63B-905EB7189070}"/>
+                <a16:creationId xmlns:a16="http://schemas.microsoft.com/office/drawing/2014/main" id="{2B238234-8781-F902-11DB-BCD05A2C2532}"/>
               </a:ext>
             </a:extLst>
           </p:cNvPr>
@@ -44844,11 +45557,18 @@
               </a:rPr>
               <a:t>Primary Key</a:t>
             </a:r>
-            <a:endParaRPr lang="en-US" noProof="0" dirty="0">
-              <a:highlight>
-                <a:srgbClr val="00FF00"/>
-              </a:highlight>
-            </a:endParaRPr>
+            <a:r>
+              <a:rPr lang="en-US" noProof="0" dirty="0"/>
+              <a:t> / </a:t>
+            </a:r>
+            <a:r>
+              <a:rPr lang="en-US" noProof="0" dirty="0">
+                <a:highlight>
+                  <a:srgbClr val="00FF00"/>
+                </a:highlight>
+              </a:rPr>
+              <a:t>Foreign Key</a:t>
+            </a:r>
           </a:p>
         </p:txBody>
       </p:sp>
@@ -44865,7 +45585,7 @@
 </p:sld>
 </file>
 
-<file path=ppt/slides/slide7.xml><?xml version="1.0" encoding="utf-8"?>
+<file path=ppt/slides/slide8.xml><?xml version="1.0" encoding="utf-8"?>
 <p:sld xmlns:a="http://schemas.openxmlformats.org/drawingml/2006/main" xmlns:r="http://schemas.openxmlformats.org/officeDocument/2006/relationships" xmlns:p="http://schemas.openxmlformats.org/presentationml/2006/main">
   <p:cSld>
     <p:spTree>
@@ -45530,693 +46250,6 @@
     <p:extLst>
       <p:ext uri="{BB962C8B-B14F-4D97-AF65-F5344CB8AC3E}">
         <p14:creationId xmlns:p14="http://schemas.microsoft.com/office/powerpoint/2010/main" val="2175210993"/>
-      </p:ext>
-    </p:extLst>
-  </p:cSld>
-  <p:clrMapOvr>
-    <a:masterClrMapping/>
-  </p:clrMapOvr>
-</p:sld>
-</file>
-
-<file path=ppt/slides/slide8.xml><?xml version="1.0" encoding="utf-8"?>
-<p:sld xmlns:a="http://schemas.openxmlformats.org/drawingml/2006/main" xmlns:r="http://schemas.openxmlformats.org/officeDocument/2006/relationships" xmlns:p="http://schemas.openxmlformats.org/presentationml/2006/main">
-  <p:cSld>
-    <p:spTree>
-      <p:nvGrpSpPr>
-        <p:cNvPr id="1" name="">
-          <a:extLst>
-            <a:ext uri="{FF2B5EF4-FFF2-40B4-BE49-F238E27FC236}">
-              <a16:creationId xmlns:a16="http://schemas.microsoft.com/office/drawing/2014/main" id="{2570C898-40C1-72D3-45D0-423DAF7BCB31}"/>
-            </a:ext>
-          </a:extLst>
-        </p:cNvPr>
-        <p:cNvGrpSpPr/>
-        <p:nvPr/>
-      </p:nvGrpSpPr>
-      <p:grpSpPr>
-        <a:xfrm>
-          <a:off x="0" y="0"/>
-          <a:ext cx="0" cy="0"/>
-          <a:chOff x="0" y="0"/>
-          <a:chExt cx="0" cy="0"/>
-        </a:xfrm>
-      </p:grpSpPr>
-      <p:sp>
-        <p:nvSpPr>
-          <p:cNvPr id="2" name="Title 1">
-            <a:extLst>
-              <a:ext uri="{FF2B5EF4-FFF2-40B4-BE49-F238E27FC236}">
-                <a16:creationId xmlns:a16="http://schemas.microsoft.com/office/drawing/2014/main" id="{CB6BC422-176F-3F28-62DC-543558519606}"/>
-              </a:ext>
-            </a:extLst>
-          </p:cNvPr>
-          <p:cNvSpPr>
-            <a:spLocks noGrp="1"/>
-          </p:cNvSpPr>
-          <p:nvPr>
-            <p:ph type="title"/>
-          </p:nvPr>
-        </p:nvSpPr>
-        <p:spPr/>
-        <p:txBody>
-          <a:bodyPr/>
-          <a:lstStyle/>
-          <a:p>
-            <a:r>
-              <a:rPr lang="en-US" sz="4000" b="0" noProof="0" dirty="0"/>
-              <a:t>Vendors</a:t>
-            </a:r>
-          </a:p>
-        </p:txBody>
-      </p:sp>
-      <p:graphicFrame>
-        <p:nvGraphicFramePr>
-          <p:cNvPr id="7" name="Table 6">
-            <a:extLst>
-              <a:ext uri="{FF2B5EF4-FFF2-40B4-BE49-F238E27FC236}">
-                <a16:creationId xmlns:a16="http://schemas.microsoft.com/office/drawing/2014/main" id="{D8AD02F4-5D6B-0D08-00BF-49287C0D09AB}"/>
-              </a:ext>
-            </a:extLst>
-          </p:cNvPr>
-          <p:cNvGraphicFramePr>
-            <a:graphicFrameLocks noGrp="1"/>
-          </p:cNvGraphicFramePr>
-          <p:nvPr>
-            <p:extLst>
-              <p:ext uri="{D42A27DB-BD31-4B8C-83A1-F6EECF244321}">
-                <p14:modId xmlns:p14="http://schemas.microsoft.com/office/powerpoint/2010/main" val="367705159"/>
-              </p:ext>
-            </p:extLst>
-          </p:nvPr>
-        </p:nvGraphicFramePr>
-        <p:xfrm>
-          <a:off x="1444752" y="2457026"/>
-          <a:ext cx="10195561" cy="1746941"/>
-        </p:xfrm>
-        <a:graphic>
-          <a:graphicData uri="http://schemas.openxmlformats.org/drawingml/2006/table">
-            <a:tbl>
-              <a:tblPr firstRow="1" bandRow="1">
-                <a:tableStyleId>{8A107856-5554-42FB-B03E-39F5DBC370BA}</a:tableStyleId>
-              </a:tblPr>
-              <a:tblGrid>
-                <a:gridCol w="1325880">
-                  <a:extLst>
-                    <a:ext uri="{9D8B030D-6E8A-4147-A177-3AD203B41FA5}">
-                      <a16:colId xmlns:a16="http://schemas.microsoft.com/office/drawing/2014/main" val="2245506330"/>
-                    </a:ext>
-                  </a:extLst>
-                </a:gridCol>
-                <a:gridCol w="2569464">
-                  <a:extLst>
-                    <a:ext uri="{9D8B030D-6E8A-4147-A177-3AD203B41FA5}">
-                      <a16:colId xmlns:a16="http://schemas.microsoft.com/office/drawing/2014/main" val="1063389680"/>
-                    </a:ext>
-                  </a:extLst>
-                </a:gridCol>
-                <a:gridCol w="1444752">
-                  <a:extLst>
-                    <a:ext uri="{9D8B030D-6E8A-4147-A177-3AD203B41FA5}">
-                      <a16:colId xmlns:a16="http://schemas.microsoft.com/office/drawing/2014/main" val="2334273950"/>
-                    </a:ext>
-                  </a:extLst>
-                </a:gridCol>
-                <a:gridCol w="1042416">
-                  <a:extLst>
-                    <a:ext uri="{9D8B030D-6E8A-4147-A177-3AD203B41FA5}">
-                      <a16:colId xmlns:a16="http://schemas.microsoft.com/office/drawing/2014/main" val="3087133834"/>
-                    </a:ext>
-                  </a:extLst>
-                </a:gridCol>
-                <a:gridCol w="960120">
-                  <a:extLst>
-                    <a:ext uri="{9D8B030D-6E8A-4147-A177-3AD203B41FA5}">
-                      <a16:colId xmlns:a16="http://schemas.microsoft.com/office/drawing/2014/main" val="1277425726"/>
-                    </a:ext>
-                  </a:extLst>
-                </a:gridCol>
-                <a:gridCol w="2852929">
-                  <a:extLst>
-                    <a:ext uri="{9D8B030D-6E8A-4147-A177-3AD203B41FA5}">
-                      <a16:colId xmlns:a16="http://schemas.microsoft.com/office/drawing/2014/main" val="1686388612"/>
-                    </a:ext>
-                  </a:extLst>
-                </a:gridCol>
-              </a:tblGrid>
-              <a:tr h="375341">
-                <a:tc>
-                  <a:txBody>
-                    <a:bodyPr/>
-                    <a:lstStyle/>
-                    <a:p>
-                      <a:r>
-                        <a:rPr lang="en-US" noProof="0" dirty="0"/>
-                        <a:t>Field</a:t>
-                      </a:r>
-                    </a:p>
-                  </a:txBody>
-                  <a:tcPr/>
-                </a:tc>
-                <a:tc>
-                  <a:txBody>
-                    <a:bodyPr/>
-                    <a:lstStyle/>
-                    <a:p>
-                      <a:r>
-                        <a:rPr lang="en-US" noProof="0" dirty="0"/>
-                        <a:t>Data type</a:t>
-                      </a:r>
-                    </a:p>
-                  </a:txBody>
-                  <a:tcPr/>
-                </a:tc>
-                <a:tc>
-                  <a:txBody>
-                    <a:bodyPr/>
-                    <a:lstStyle/>
-                    <a:p>
-                      <a:r>
-                        <a:rPr lang="en-US" noProof="0" dirty="0"/>
-                        <a:t>Length </a:t>
-                      </a:r>
-                    </a:p>
-                  </a:txBody>
-                  <a:tcPr/>
-                </a:tc>
-                <a:tc>
-                  <a:txBody>
-                    <a:bodyPr/>
-                    <a:lstStyle/>
-                    <a:p>
-                      <a:r>
-                        <a:rPr lang="en-US" noProof="0" dirty="0"/>
-                        <a:t>Required</a:t>
-                      </a:r>
-                    </a:p>
-                  </a:txBody>
-                  <a:tcPr/>
-                </a:tc>
-                <a:tc>
-                  <a:txBody>
-                    <a:bodyPr/>
-                    <a:lstStyle/>
-                    <a:p>
-                      <a:r>
-                        <a:rPr lang="en-US" noProof="0" dirty="0"/>
-                        <a:t>Unique</a:t>
-                      </a:r>
-                    </a:p>
-                  </a:txBody>
-                  <a:tcPr/>
-                </a:tc>
-                <a:tc>
-                  <a:txBody>
-                    <a:bodyPr/>
-                    <a:lstStyle/>
-                    <a:p>
-                      <a:r>
-                        <a:rPr lang="en-US" b="1" noProof="0" dirty="0"/>
-                        <a:t>Example</a:t>
-                      </a:r>
-                    </a:p>
-                  </a:txBody>
-                  <a:tcPr/>
-                </a:tc>
-                <a:extLst>
-                  <a:ext uri="{0D108BD9-81ED-4DB2-BD59-A6C34878D82A}">
-                    <a16:rowId xmlns:a16="http://schemas.microsoft.com/office/drawing/2014/main" val="3609378606"/>
-                  </a:ext>
-                </a:extLst>
-              </a:tr>
-              <a:tr h="357642">
-                <a:tc>
-                  <a:txBody>
-                    <a:bodyPr/>
-                    <a:lstStyle/>
-                    <a:p>
-                      <a:pPr marL="0" marR="0" lvl="0" indent="0" algn="l" defTabSz="914400" rtl="0" eaLnBrk="1" fontAlgn="auto" latinLnBrk="0" hangingPunct="1">
-                        <a:lnSpc>
-                          <a:spcPct val="100000"/>
-                        </a:lnSpc>
-                        <a:spcBef>
-                          <a:spcPts val="0"/>
-                        </a:spcBef>
-                        <a:spcAft>
-                          <a:spcPts val="0"/>
-                        </a:spcAft>
-                        <a:buClrTx/>
-                        <a:buSzTx/>
-                        <a:buFontTx/>
-                        <a:buNone/>
-                        <a:tabLst/>
-                        <a:defRPr/>
-                      </a:pPr>
-                      <a:r>
-                        <a:rPr lang="en-US" b="0" noProof="0" dirty="0" err="1">
-                          <a:highlight>
-                            <a:srgbClr val="FFFF00"/>
-                          </a:highlight>
-                        </a:rPr>
-                        <a:t>Vendor_ID</a:t>
-                      </a:r>
-                      <a:endParaRPr lang="en-US" b="0" noProof="0" dirty="0">
-                        <a:highlight>
-                          <a:srgbClr val="FFFF00"/>
-                        </a:highlight>
-                      </a:endParaRPr>
-                    </a:p>
-                  </a:txBody>
-                  <a:tcPr/>
-                </a:tc>
-                <a:tc>
-                  <a:txBody>
-                    <a:bodyPr/>
-                    <a:lstStyle/>
-                    <a:p>
-                      <a:r>
-                        <a:rPr lang="en-US" noProof="0" dirty="0"/>
-                        <a:t>Alphanumeric (VARCHAR)</a:t>
-                      </a:r>
-                    </a:p>
-                  </a:txBody>
-                  <a:tcPr/>
-                </a:tc>
-                <a:tc>
-                  <a:txBody>
-                    <a:bodyPr/>
-                    <a:lstStyle/>
-                    <a:p>
-                      <a:r>
-                        <a:rPr lang="en-US" noProof="0" dirty="0"/>
-                        <a:t>10 characters</a:t>
-                      </a:r>
-                    </a:p>
-                  </a:txBody>
-                  <a:tcPr/>
-                </a:tc>
-                <a:tc>
-                  <a:txBody>
-                    <a:bodyPr/>
-                    <a:lstStyle/>
-                    <a:p>
-                      <a:r>
-                        <a:rPr lang="en-US" noProof="0" dirty="0"/>
-                        <a:t>Yes</a:t>
-                      </a:r>
-                    </a:p>
-                  </a:txBody>
-                  <a:tcPr/>
-                </a:tc>
-                <a:tc>
-                  <a:txBody>
-                    <a:bodyPr/>
-                    <a:lstStyle/>
-                    <a:p>
-                      <a:endParaRPr lang="en-US" noProof="0" dirty="0"/>
-                    </a:p>
-                  </a:txBody>
-                  <a:tcPr/>
-                </a:tc>
-                <a:tc>
-                  <a:txBody>
-                    <a:bodyPr/>
-                    <a:lstStyle/>
-                    <a:p>
-                      <a:r>
-                        <a:rPr lang="en-US" noProof="0" dirty="0"/>
-                        <a:t>VEN238</a:t>
-                      </a:r>
-                    </a:p>
-                  </a:txBody>
-                  <a:tcPr/>
-                </a:tc>
-                <a:extLst>
-                  <a:ext uri="{0D108BD9-81ED-4DB2-BD59-A6C34878D82A}">
-                    <a16:rowId xmlns:a16="http://schemas.microsoft.com/office/drawing/2014/main" val="371253128"/>
-                  </a:ext>
-                </a:extLst>
-              </a:tr>
-              <a:tr h="374073">
-                <a:tc>
-                  <a:txBody>
-                    <a:bodyPr/>
-                    <a:lstStyle/>
-                    <a:p>
-                      <a:pPr marL="0" marR="0" lvl="0" indent="0" algn="l" defTabSz="914400" rtl="0" eaLnBrk="1" fontAlgn="auto" latinLnBrk="0" hangingPunct="1">
-                        <a:lnSpc>
-                          <a:spcPct val="100000"/>
-                        </a:lnSpc>
-                        <a:spcBef>
-                          <a:spcPts val="0"/>
-                        </a:spcBef>
-                        <a:spcAft>
-                          <a:spcPts val="0"/>
-                        </a:spcAft>
-                        <a:buClrTx/>
-                        <a:buSzTx/>
-                        <a:buFontTx/>
-                        <a:buNone/>
-                        <a:tabLst/>
-                        <a:defRPr/>
-                      </a:pPr>
-                      <a:r>
-                        <a:rPr lang="en-US" b="0" noProof="0" dirty="0"/>
-                        <a:t>Name</a:t>
-                      </a:r>
-                    </a:p>
-                  </a:txBody>
-                  <a:tcPr/>
-                </a:tc>
-                <a:tc>
-                  <a:txBody>
-                    <a:bodyPr/>
-                    <a:lstStyle/>
-                    <a:p>
-                      <a:pPr marL="0" marR="0" lvl="0" indent="0" algn="l" defTabSz="914400" rtl="0" eaLnBrk="1" fontAlgn="auto" latinLnBrk="0" hangingPunct="1">
-                        <a:lnSpc>
-                          <a:spcPct val="100000"/>
-                        </a:lnSpc>
-                        <a:spcBef>
-                          <a:spcPts val="0"/>
-                        </a:spcBef>
-                        <a:spcAft>
-                          <a:spcPts val="0"/>
-                        </a:spcAft>
-                        <a:buClrTx/>
-                        <a:buSzTx/>
-                        <a:buFontTx/>
-                        <a:buNone/>
-                        <a:tabLst/>
-                        <a:defRPr/>
-                      </a:pPr>
-                      <a:r>
-                        <a:rPr lang="en-US" noProof="0" dirty="0"/>
-                        <a:t>Alphanumeric (VARCHAR)</a:t>
-                      </a:r>
-                    </a:p>
-                  </a:txBody>
-                  <a:tcPr/>
-                </a:tc>
-                <a:tc>
-                  <a:txBody>
-                    <a:bodyPr/>
-                    <a:lstStyle/>
-                    <a:p>
-                      <a:pPr marL="0" marR="0" lvl="0" indent="0" algn="l" defTabSz="914400" rtl="0" eaLnBrk="1" fontAlgn="auto" latinLnBrk="0" hangingPunct="1">
-                        <a:lnSpc>
-                          <a:spcPct val="100000"/>
-                        </a:lnSpc>
-                        <a:spcBef>
-                          <a:spcPts val="0"/>
-                        </a:spcBef>
-                        <a:spcAft>
-                          <a:spcPts val="0"/>
-                        </a:spcAft>
-                        <a:buClrTx/>
-                        <a:buSzTx/>
-                        <a:buFontTx/>
-                        <a:buNone/>
-                        <a:tabLst/>
-                        <a:defRPr/>
-                      </a:pPr>
-                      <a:r>
-                        <a:rPr lang="en-US" noProof="0" dirty="0"/>
-                        <a:t>70 characters</a:t>
-                      </a:r>
-                    </a:p>
-                  </a:txBody>
-                  <a:tcPr/>
-                </a:tc>
-                <a:tc>
-                  <a:txBody>
-                    <a:bodyPr/>
-                    <a:lstStyle/>
-                    <a:p>
-                      <a:pPr marL="0" marR="0" lvl="0" indent="0" algn="l" defTabSz="914400" rtl="0" eaLnBrk="1" fontAlgn="auto" latinLnBrk="0" hangingPunct="1">
-                        <a:lnSpc>
-                          <a:spcPct val="100000"/>
-                        </a:lnSpc>
-                        <a:spcBef>
-                          <a:spcPts val="0"/>
-                        </a:spcBef>
-                        <a:spcAft>
-                          <a:spcPts val="0"/>
-                        </a:spcAft>
-                        <a:buClrTx/>
-                        <a:buSzTx/>
-                        <a:buFontTx/>
-                        <a:buNone/>
-                        <a:tabLst/>
-                        <a:defRPr/>
-                      </a:pPr>
-                      <a:r>
-                        <a:rPr lang="en-US" noProof="0" dirty="0"/>
-                        <a:t>Yes</a:t>
-                      </a:r>
-                    </a:p>
-                  </a:txBody>
-                  <a:tcPr/>
-                </a:tc>
-                <a:tc>
-                  <a:txBody>
-                    <a:bodyPr/>
-                    <a:lstStyle/>
-                    <a:p>
-                      <a:r>
-                        <a:rPr lang="en-US" noProof="0" dirty="0"/>
-                        <a:t>Yes</a:t>
-                      </a:r>
-                    </a:p>
-                  </a:txBody>
-                  <a:tcPr/>
-                </a:tc>
-                <a:tc>
-                  <a:txBody>
-                    <a:bodyPr/>
-                    <a:lstStyle/>
-                    <a:p>
-                      <a:r>
-                        <a:rPr lang="en-US" noProof="0" dirty="0"/>
-                        <a:t>Union Polymer Material CO., LTD</a:t>
-                      </a:r>
-                    </a:p>
-                  </a:txBody>
-                  <a:tcPr/>
-                </a:tc>
-                <a:extLst>
-                  <a:ext uri="{0D108BD9-81ED-4DB2-BD59-A6C34878D82A}">
-                    <a16:rowId xmlns:a16="http://schemas.microsoft.com/office/drawing/2014/main" val="3873730951"/>
-                  </a:ext>
-                </a:extLst>
-              </a:tr>
-              <a:tr h="353291">
-                <a:tc>
-                  <a:txBody>
-                    <a:bodyPr/>
-                    <a:lstStyle/>
-                    <a:p>
-                      <a:pPr marL="0" marR="0" lvl="0" indent="0" algn="l" defTabSz="914400" rtl="0" eaLnBrk="1" fontAlgn="auto" latinLnBrk="0" hangingPunct="1">
-                        <a:lnSpc>
-                          <a:spcPct val="100000"/>
-                        </a:lnSpc>
-                        <a:spcBef>
-                          <a:spcPts val="0"/>
-                        </a:spcBef>
-                        <a:spcAft>
-                          <a:spcPts val="0"/>
-                        </a:spcAft>
-                        <a:buClrTx/>
-                        <a:buSzTx/>
-                        <a:buFontTx/>
-                        <a:buNone/>
-                        <a:tabLst/>
-                        <a:defRPr/>
-                      </a:pPr>
-                      <a:r>
-                        <a:rPr lang="en-US" b="0" noProof="0" dirty="0" err="1"/>
-                        <a:t>Short_name</a:t>
-                      </a:r>
-                      <a:endParaRPr lang="en-US" b="0" noProof="0" dirty="0"/>
-                    </a:p>
-                  </a:txBody>
-                  <a:tcPr/>
-                </a:tc>
-                <a:tc>
-                  <a:txBody>
-                    <a:bodyPr/>
-                    <a:lstStyle/>
-                    <a:p>
-                      <a:pPr marL="0" marR="0" lvl="0" indent="0" algn="l" defTabSz="914400" rtl="0" eaLnBrk="1" fontAlgn="auto" latinLnBrk="0" hangingPunct="1">
-                        <a:lnSpc>
-                          <a:spcPct val="100000"/>
-                        </a:lnSpc>
-                        <a:spcBef>
-                          <a:spcPts val="0"/>
-                        </a:spcBef>
-                        <a:spcAft>
-                          <a:spcPts val="0"/>
-                        </a:spcAft>
-                        <a:buClrTx/>
-                        <a:buSzTx/>
-                        <a:buFontTx/>
-                        <a:buNone/>
-                        <a:tabLst/>
-                        <a:defRPr/>
-                      </a:pPr>
-                      <a:r>
-                        <a:rPr lang="en-US" noProof="0" dirty="0"/>
-                        <a:t>Alphanumeric (VARCHAR)</a:t>
-                      </a:r>
-                    </a:p>
-                  </a:txBody>
-                  <a:tcPr/>
-                </a:tc>
-                <a:tc>
-                  <a:txBody>
-                    <a:bodyPr/>
-                    <a:lstStyle/>
-                    <a:p>
-                      <a:pPr marL="0" marR="0" lvl="0" indent="0" algn="l" defTabSz="914400" rtl="0" eaLnBrk="1" fontAlgn="auto" latinLnBrk="0" hangingPunct="1">
-                        <a:lnSpc>
-                          <a:spcPct val="100000"/>
-                        </a:lnSpc>
-                        <a:spcBef>
-                          <a:spcPts val="0"/>
-                        </a:spcBef>
-                        <a:spcAft>
-                          <a:spcPts val="0"/>
-                        </a:spcAft>
-                        <a:buClrTx/>
-                        <a:buSzTx/>
-                        <a:buFontTx/>
-                        <a:buNone/>
-                        <a:tabLst/>
-                        <a:defRPr/>
-                      </a:pPr>
-                      <a:r>
-                        <a:rPr lang="en-US" noProof="0" dirty="0"/>
-                        <a:t>5 characters</a:t>
-                      </a:r>
-                    </a:p>
-                  </a:txBody>
-                  <a:tcPr/>
-                </a:tc>
-                <a:tc>
-                  <a:txBody>
-                    <a:bodyPr/>
-                    <a:lstStyle/>
-                    <a:p>
-                      <a:pPr marL="0" marR="0" lvl="0" indent="0" algn="l" defTabSz="914400" rtl="0" eaLnBrk="1" fontAlgn="auto" latinLnBrk="0" hangingPunct="1">
-                        <a:lnSpc>
-                          <a:spcPct val="100000"/>
-                        </a:lnSpc>
-                        <a:spcBef>
-                          <a:spcPts val="0"/>
-                        </a:spcBef>
-                        <a:spcAft>
-                          <a:spcPts val="0"/>
-                        </a:spcAft>
-                        <a:buClrTx/>
-                        <a:buSzTx/>
-                        <a:buFontTx/>
-                        <a:buNone/>
-                        <a:tabLst/>
-                        <a:defRPr/>
-                      </a:pPr>
-                      <a:r>
-                        <a:rPr lang="en-US" noProof="0" dirty="0"/>
-                        <a:t>Yes</a:t>
-                      </a:r>
-                    </a:p>
-                  </a:txBody>
-                  <a:tcPr/>
-                </a:tc>
-                <a:tc>
-                  <a:txBody>
-                    <a:bodyPr/>
-                    <a:lstStyle/>
-                    <a:p>
-                      <a:r>
-                        <a:rPr lang="en-US" noProof="0" dirty="0"/>
-                        <a:t>Yes</a:t>
-                      </a:r>
-                    </a:p>
-                  </a:txBody>
-                  <a:tcPr/>
-                </a:tc>
-                <a:tc>
-                  <a:txBody>
-                    <a:bodyPr/>
-                    <a:lstStyle/>
-                    <a:p>
-                      <a:r>
-                        <a:rPr lang="en-US" noProof="0" dirty="0"/>
-                        <a:t>UPM</a:t>
-                      </a:r>
-                    </a:p>
-                  </a:txBody>
-                  <a:tcPr/>
-                </a:tc>
-                <a:extLst>
-                  <a:ext uri="{0D108BD9-81ED-4DB2-BD59-A6C34878D82A}">
-                    <a16:rowId xmlns:a16="http://schemas.microsoft.com/office/drawing/2014/main" val="3903227421"/>
-                  </a:ext>
-                </a:extLst>
-              </a:tr>
-            </a:tbl>
-          </a:graphicData>
-        </a:graphic>
-      </p:graphicFrame>
-      <p:sp>
-        <p:nvSpPr>
-          <p:cNvPr id="10" name="TextBox 9">
-            <a:extLst>
-              <a:ext uri="{FF2B5EF4-FFF2-40B4-BE49-F238E27FC236}">
-                <a16:creationId xmlns:a16="http://schemas.microsoft.com/office/drawing/2014/main" id="{B6698183-77A6-C660-BEAB-D4A57C404356}"/>
-              </a:ext>
-            </a:extLst>
-          </p:cNvPr>
-          <p:cNvSpPr txBox="1"/>
-          <p:nvPr/>
-        </p:nvSpPr>
-        <p:spPr>
-          <a:xfrm>
-            <a:off x="3350970" y="6402586"/>
-            <a:ext cx="6382512" cy="369332"/>
-          </a:xfrm>
-          <a:prstGeom prst="rect">
-            <a:avLst/>
-          </a:prstGeom>
-          <a:noFill/>
-        </p:spPr>
-        <p:txBody>
-          <a:bodyPr wrap="square" rtlCol="0">
-            <a:spAutoFit/>
-          </a:bodyPr>
-          <a:lstStyle/>
-          <a:p>
-            <a:pPr algn="ctr"/>
-            <a:r>
-              <a:rPr lang="en-US" noProof="0" dirty="0">
-                <a:highlight>
-                  <a:srgbClr val="FFFF00"/>
-                </a:highlight>
-              </a:rPr>
-              <a:t>Primary Key</a:t>
-            </a:r>
-            <a:endParaRPr lang="en-US" noProof="0" dirty="0">
-              <a:highlight>
-                <a:srgbClr val="00FF00"/>
-              </a:highlight>
-            </a:endParaRPr>
-          </a:p>
-        </p:txBody>
-      </p:sp>
-    </p:spTree>
-    <p:extLst>
-      <p:ext uri="{BB962C8B-B14F-4D97-AF65-F5344CB8AC3E}">
-        <p14:creationId xmlns:p14="http://schemas.microsoft.com/office/powerpoint/2010/main" val="4058954896"/>
       </p:ext>
     </p:extLst>
   </p:cSld>
@@ -47768,6 +47801,15 @@
 </file>
 
 <file path=customXml/item1.xml><?xml version="1.0" encoding="utf-8"?>
+<?mso-contentType ?>
+<FormTemplates xmlns="http://schemas.microsoft.com/sharepoint/v3/contenttype/forms">
+  <Display>DocumentLibraryForm</Display>
+  <Edit>DocumentLibraryForm</Edit>
+  <New>DocumentLibraryForm</New>
+</FormTemplates>
+</file>
+
+<file path=customXml/item2.xml><?xml version="1.0" encoding="utf-8"?>
 <p:properties xmlns:p="http://schemas.microsoft.com/office/2006/metadata/properties" xmlns:xsi="http://www.w3.org/2001/XMLSchema-instance" xmlns:pc="http://schemas.microsoft.com/office/infopath/2007/PartnerControls">
   <documentManagement>
     <_ip_UnifiedCompliancePolicyUIAction xmlns="http://schemas.microsoft.com/sharepoint/v3" xsi:nil="true"/>
@@ -47787,7 +47829,7 @@
 </p:properties>
 </file>
 
-<file path=customXml/item2.xml><?xml version="1.0" encoding="utf-8"?>
+<file path=customXml/item3.xml><?xml version="1.0" encoding="utf-8"?>
 <ct:contentTypeSchema xmlns:ct="http://schemas.microsoft.com/office/2006/metadata/contentType" xmlns:ma="http://schemas.microsoft.com/office/2006/metadata/properties/metaAttributes" ct:_="" ma:_="" ma:contentTypeName="Document" ma:contentTypeID="0x01010079F111ED35F8CC479449609E8A0923A6" ma:contentTypeVersion="28" ma:contentTypeDescription="Create a new document." ma:contentTypeScope="" ma:versionID="60f5a4f2d2b0abadcf532d48ebf9cb71">
   <xsd:schema xmlns:xsd="http://www.w3.org/2001/XMLSchema" xmlns:xs="http://www.w3.org/2001/XMLSchema" xmlns:p="http://schemas.microsoft.com/office/2006/metadata/properties" xmlns:ns1="http://schemas.microsoft.com/sharepoint/v3" xmlns:ns2="71af3243-3dd4-4a8d-8c0d-dd76da1f02a5" xmlns:ns3="16c05727-aa75-4e4a-9b5f-8a80a1165891" xmlns:ns4="230e9df3-be65-4c73-a93b-d1236ebd677e" targetNamespace="http://schemas.microsoft.com/office/2006/metadata/properties" ma:root="true" ma:fieldsID="7dd78129e6a1811f84807ad11c651531" ns1:_="" ns2:_="" ns3:_="" ns4:_="">
     <xsd:import namespace="http://schemas.microsoft.com/sharepoint/v3"/>
@@ -48099,16 +48141,15 @@
 </ct:contentTypeSchema>
 </file>
 
-<file path=customXml/item3.xml><?xml version="1.0" encoding="utf-8"?>
-<?mso-contentType ?>
-<FormTemplates xmlns="http://schemas.microsoft.com/sharepoint/v3/contenttype/forms">
-  <Display>DocumentLibraryForm</Display>
-  <Edit>DocumentLibraryForm</Edit>
-  <New>DocumentLibraryForm</New>
-</FormTemplates>
+<file path=customXml/itemProps1.xml><?xml version="1.0" encoding="utf-8"?>
+<ds:datastoreItem xmlns:ds="http://schemas.openxmlformats.org/officeDocument/2006/customXml" ds:itemID="{6F36CB81-A037-44A8-88EB-C0C0F17FD4B1}">
+  <ds:schemaRefs>
+    <ds:schemaRef ds:uri="http://schemas.microsoft.com/sharepoint/v3/contenttype/forms"/>
+  </ds:schemaRefs>
+</ds:datastoreItem>
 </file>
 
-<file path=customXml/itemProps1.xml><?xml version="1.0" encoding="utf-8"?>
+<file path=customXml/itemProps2.xml><?xml version="1.0" encoding="utf-8"?>
 <ds:datastoreItem xmlns:ds="http://schemas.openxmlformats.org/officeDocument/2006/customXml" ds:itemID="{57FF477C-132F-44F8-8C56-EBFF95FAF97B}">
   <ds:schemaRefs>
     <ds:schemaRef ds:uri="http://schemas.microsoft.com/office/2006/metadata/properties"/>
@@ -48120,7 +48161,7 @@
 </ds:datastoreItem>
 </file>
 
-<file path=customXml/itemProps2.xml><?xml version="1.0" encoding="utf-8"?>
+<file path=customXml/itemProps3.xml><?xml version="1.0" encoding="utf-8"?>
 <ds:datastoreItem xmlns:ds="http://schemas.openxmlformats.org/officeDocument/2006/customXml" ds:itemID="{2C1AA24C-4CA6-40FF-8947-DA1F6F47456C}">
   <ds:schemaRefs>
     <ds:schemaRef ds:uri="http://schemas.microsoft.com/office/2006/metadata/contentType"/>
@@ -48141,14 +48182,6 @@
 </ds:datastoreItem>
 </file>
 
-<file path=customXml/itemProps3.xml><?xml version="1.0" encoding="utf-8"?>
-<ds:datastoreItem xmlns:ds="http://schemas.openxmlformats.org/officeDocument/2006/customXml" ds:itemID="{6F36CB81-A037-44A8-88EB-C0C0F17FD4B1}">
-  <ds:schemaRefs>
-    <ds:schemaRef ds:uri="http://schemas.microsoft.com/sharepoint/v3/contenttype/forms"/>
-  </ds:schemaRefs>
-</ds:datastoreItem>
-</file>
-
 <file path=docMetadata/LabelInfo.xml><?xml version="1.0" encoding="utf-8"?>
 <clbl:labelList xmlns:clbl="http://schemas.microsoft.com/office/2020/mipLabelMetadata"/>
 </file>